--- a/DV2.pptx
+++ b/DV2.pptx
@@ -7,6 +7,8 @@
   <p:sldIdLst>
     <p:sldId id="256" r:id="rId6"/>
     <p:sldId id="257" r:id="rId7"/>
+    <p:sldId id="258" r:id="rId8"/>
+    <p:sldId id="259" r:id="rId9"/>
   </p:sldIdLst>
   <p:sldSz cx="12192000" cy="6858000"/>
   <p:notesSz cx="6858000" cy="9144000"/>
@@ -3327,7 +3329,7 @@
           <p:cNvPr id="0" name="slide1">
             <a:extLst>
               <a:ext uri="{FF2B5EF4-FFF2-40B4-BE49-F238E27FC236}">
-                <a16:creationId xmlns:a16="http://schemas.microsoft.com/office/drawing/2014/main" id="{A3742649-1324-41E2-AE02-ECBD4310B99D}"/>
+                <a16:creationId xmlns:a16="http://schemas.microsoft.com/office/drawing/2014/main" id="{A8B6C878-367A-4AB7-8F36-4AFEDFA61A41}"/>
               </a:ext>
             </a:extLst>
           </p:cNvPr>
@@ -3355,7 +3357,7 @@
           <p:cNvPr id="1" name="slide1">
             <a:extLst>
               <a:ext uri="{FF2B5EF4-FFF2-40B4-BE49-F238E27FC236}">
-                <a16:creationId xmlns:a16="http://schemas.microsoft.com/office/drawing/2014/main" id="{2F957B74-687C-4E5D-8B21-22E549160497}"/>
+                <a16:creationId xmlns:a16="http://schemas.microsoft.com/office/drawing/2014/main" id="{B3D92735-74A0-440B-AB80-1B55B330B0D7}"/>
               </a:ext>
             </a:extLst>
           </p:cNvPr>
@@ -3373,7 +3375,7 @@
           <a:p>
             <a:r>
               <a:rPr/>
-              <a:t>File created on: 8/5/2021 11:21:31 PM</a:t>
+              <a:t>File created on: 8/5/2021 11:33:16 PM</a:t>
             </a:r>
           </a:p>
         </p:txBody>
@@ -3410,10 +3412,10 @@
       </p:grpSpPr>
       <p:pic>
         <p:nvPicPr>
-          <p:cNvPr descr="Sheet 3" id="2" name="slide2">
-            <a:extLst>
-              <a:ext uri="{FF2B5EF4-FFF2-40B4-BE49-F238E27FC236}">
-                <a16:creationId xmlns:a16="http://schemas.microsoft.com/office/drawing/2014/main" id="{3238F74F-8C53-4884-988A-21ADE82BE3E2}"/>
+          <p:cNvPr descr="Sheet 1" id="2" name="slide2">
+            <a:extLst>
+              <a:ext uri="{FF2B5EF4-FFF2-40B4-BE49-F238E27FC236}">
+                <a16:creationId xmlns:a16="http://schemas.microsoft.com/office/drawing/2014/main" id="{43158D9F-CF0E-4342-BCB8-ABAC4B1D35E4}"/>
               </a:ext>
             </a:extLst>
           </p:cNvPr>
@@ -3436,8 +3438,140 @@
         </p:blipFill>
         <p:spPr>
           <a:xfrm>
-            <a:off x="3070202" y="0"/>
-            <a:ext cx="6051596" cy="6858000"/>
+            <a:off x="0" y="1104403"/>
+            <a:ext cx="12192000" cy="4649192"/>
+          </a:xfrm>
+          <a:prstGeom prst="rect">
+            <a:avLst/>
+          </a:prstGeom>
+        </p:spPr>
+      </p:pic>
+    </p:spTree>
+    <p:extLst>
+      <p:ext uri="{BB962C8B-B14F-4D97-AF65-F5344CB8AC3E}">
+        <p14:creationId xmlns:p14="http://schemas.microsoft.com/office/powerpoint/2010/main" val="95992585"/>
+      </p:ext>
+    </p:extLst>
+  </p:cSld>
+  <p:clrMapOvr>
+    <a:masterClrMapping/>
+  </p:clrMapOvr>
+</p:sld>
+</file>
+
+<file path=ppt/slides/slide3.xml><?xml version="1.0" encoding="utf-8"?>
+<p:sld xmlns:a="http://schemas.openxmlformats.org/drawingml/2006/main" xmlns:p="http://schemas.openxmlformats.org/presentationml/2006/main" xmlns:r="http://schemas.openxmlformats.org/officeDocument/2006/relationships">
+  <p:cSld>
+    <p:spTree>
+      <p:nvGrpSpPr>
+        <p:cNvPr id="1" name=""/>
+        <p:cNvGrpSpPr/>
+        <p:nvPr/>
+      </p:nvGrpSpPr>
+      <p:grpSpPr>
+        <a:xfrm>
+          <a:off x="0" y="0"/>
+          <a:ext cx="0" cy="0"/>
+          <a:chOff x="0" y="0"/>
+          <a:chExt cx="0" cy="0"/>
+        </a:xfrm>
+      </p:grpSpPr>
+      <p:pic>
+        <p:nvPicPr>
+          <p:cNvPr descr="Sheet 3" id="3" name="slide3">
+            <a:extLst>
+              <a:ext uri="{FF2B5EF4-FFF2-40B4-BE49-F238E27FC236}">
+                <a16:creationId xmlns:a16="http://schemas.microsoft.com/office/drawing/2014/main" id="{1E934AE0-F531-4F68-95BB-5F01BC4A4391}"/>
+              </a:ext>
+            </a:extLst>
+          </p:cNvPr>
+          <p:cNvPicPr>
+            <a:picLocks noChangeAspect="1"/>
+          </p:cNvPicPr>
+          <p:nvPr/>
+        </p:nvPicPr>
+        <p:blipFill>
+          <a:blip r:embed="rId8">
+            <a:extLst>
+              <a:ext uri="{28A0092B-C50C-407E-A947-70E740481C1C}">
+                <a14:useLocalDpi xmlns:a14="http://schemas.microsoft.com/office/drawing/2010/main" val="0"/>
+              </a:ext>
+            </a:extLst>
+          </a:blip>
+          <a:stretch>
+            <a:fillRect/>
+          </a:stretch>
+        </p:blipFill>
+        <p:spPr>
+          <a:xfrm>
+            <a:off x="1414096" y="0"/>
+            <a:ext cx="9363808" cy="6858000"/>
+          </a:xfrm>
+          <a:prstGeom prst="rect">
+            <a:avLst/>
+          </a:prstGeom>
+        </p:spPr>
+      </p:pic>
+    </p:spTree>
+    <p:extLst>
+      <p:ext uri="{BB962C8B-B14F-4D97-AF65-F5344CB8AC3E}">
+        <p14:creationId xmlns:p14="http://schemas.microsoft.com/office/powerpoint/2010/main" val="95992585"/>
+      </p:ext>
+    </p:extLst>
+  </p:cSld>
+  <p:clrMapOvr>
+    <a:masterClrMapping/>
+  </p:clrMapOvr>
+</p:sld>
+</file>
+
+<file path=ppt/slides/slide4.xml><?xml version="1.0" encoding="utf-8"?>
+<p:sld xmlns:a="http://schemas.openxmlformats.org/drawingml/2006/main" xmlns:p="http://schemas.openxmlformats.org/presentationml/2006/main" xmlns:r="http://schemas.openxmlformats.org/officeDocument/2006/relationships">
+  <p:cSld>
+    <p:spTree>
+      <p:nvGrpSpPr>
+        <p:cNvPr id="1" name=""/>
+        <p:cNvGrpSpPr/>
+        <p:nvPr/>
+      </p:nvGrpSpPr>
+      <p:grpSpPr>
+        <a:xfrm>
+          <a:off x="0" y="0"/>
+          <a:ext cx="0" cy="0"/>
+          <a:chOff x="0" y="0"/>
+          <a:chExt cx="0" cy="0"/>
+        </a:xfrm>
+      </p:grpSpPr>
+      <p:pic>
+        <p:nvPicPr>
+          <p:cNvPr descr="Sheet 3 (3)" id="4" name="slide4">
+            <a:extLst>
+              <a:ext uri="{FF2B5EF4-FFF2-40B4-BE49-F238E27FC236}">
+                <a16:creationId xmlns:a16="http://schemas.microsoft.com/office/drawing/2014/main" id="{42A17AD3-2414-47A3-9BEA-300F40FD3BA4}"/>
+              </a:ext>
+            </a:extLst>
+          </p:cNvPr>
+          <p:cNvPicPr>
+            <a:picLocks noChangeAspect="1"/>
+          </p:cNvPicPr>
+          <p:nvPr/>
+        </p:nvPicPr>
+        <p:blipFill>
+          <a:blip r:embed="rId9">
+            <a:extLst>
+              <a:ext uri="{28A0092B-C50C-407E-A947-70E740481C1C}">
+                <a14:useLocalDpi xmlns:a14="http://schemas.microsoft.com/office/drawing/2010/main" val="0"/>
+              </a:ext>
+            </a:extLst>
+          </a:blip>
+          <a:stretch>
+            <a:fillRect/>
+          </a:stretch>
+        </p:blipFill>
+        <p:spPr>
+          <a:xfrm>
+            <a:off x="2775387" y="0"/>
+            <a:ext cx="6641224" cy="6858000"/>
           </a:xfrm>
           <a:prstGeom prst="rect">
             <a:avLst/>
